--- a/course/Module_06_ios_debugging.pptx
+++ b/course/Module_06_ios_debugging.pptx
@@ -4470,9 +4470,7 @@
               <a:rPr lang="en-US" sz="2000" b="1" dirty="0">
                 <a:ln w="0"/>
                 <a:solidFill>
-                  <a:srgbClr val="4BACC6">
-                    <a:lumMod val="75000"/>
-                  </a:srgbClr>
+                  <a:schemeClr val="tx2"/>
                 </a:solidFill>
                 <a:effectLst>
                   <a:reflection blurRad="6350" stA="53000" endA="300" endPos="35500" dir="5400000" sy="-90000" algn="bl" rotWithShape="0"/>
@@ -4492,7 +4490,7 @@
         </p:nvSpPr>
         <p:spPr>
           <a:xfrm>
-            <a:off x="3429000" y="2820397"/>
+            <a:off x="3429000" y="3048997"/>
             <a:ext cx="5715000" cy="684803"/>
           </a:xfrm>
           <a:prstGeom prst="rect">
@@ -4511,9 +4509,7 @@
               <a:rPr lang="en-US" sz="4000" b="1" dirty="0" err="1">
                 <a:ln w="0"/>
                 <a:solidFill>
-                  <a:srgbClr val="4BACC6">
-                    <a:lumMod val="75000"/>
-                  </a:srgbClr>
+                  <a:schemeClr val="tx2"/>
                 </a:solidFill>
                 <a:effectLst>
                   <a:reflection blurRad="6350" stA="53000" endA="300" endPos="35500" dir="5400000" sy="-90000" algn="bl" rotWithShape="0"/>
@@ -4526,9 +4522,7 @@
               <a:rPr lang="en-US" sz="4000" b="1" dirty="0">
                 <a:ln w="0"/>
                 <a:solidFill>
-                  <a:srgbClr val="4BACC6">
-                    <a:lumMod val="75000"/>
-                  </a:srgbClr>
+                  <a:schemeClr val="tx2"/>
                 </a:solidFill>
                 <a:effectLst>
                   <a:reflection blurRad="6350" stA="53000" endA="300" endPos="35500" dir="5400000" sy="-90000" algn="bl" rotWithShape="0"/>
@@ -4540,9 +4534,7 @@
             <a:endParaRPr lang="en-US" sz="4000" b="1" dirty="0">
               <a:ln w="0"/>
               <a:solidFill>
-                <a:srgbClr val="4BACC6">
-                  <a:lumMod val="75000"/>
-                </a:srgbClr>
+                <a:schemeClr val="tx2"/>
               </a:solidFill>
               <a:effectLst>
                 <a:reflection blurRad="6350" stA="53000" endA="300" endPos="35500" dir="5400000" sy="-90000" algn="bl" rotWithShape="0"/>
@@ -20144,47 +20136,6 @@
       </p:grpSpPr>
       <p:sp>
         <p:nvSpPr>
-          <p:cNvPr id="2" name="object 2"/>
-          <p:cNvSpPr txBox="1">
-            <a:spLocks noGrp="1"/>
-          </p:cNvSpPr>
-          <p:nvPr>
-            <p:ph type="title"/>
-          </p:nvPr>
-        </p:nvSpPr>
-        <p:spPr>
-          <a:prstGeom prst="rect">
-            <a:avLst/>
-          </a:prstGeom>
-        </p:spPr>
-        <p:txBody>
-          <a:bodyPr vert="horz" wrap="square" lIns="0" tIns="0" rIns="0" bIns="0" rtlCol="0">
-            <a:spAutoFit/>
-          </a:bodyPr>
-          <a:lstStyle/>
-          <a:p>
-            <a:pPr marL="6984365">
-              <a:lnSpc>
-                <a:spcPct val="100000"/>
-              </a:lnSpc>
-            </a:pPr>
-            <a:r>
-              <a:rPr spc="-20" dirty="0"/>
-              <a:t>Ag</a:t>
-            </a:r>
-            <a:r>
-              <a:rPr spc="-15" dirty="0"/>
-              <a:t>en</a:t>
-            </a:r>
-            <a:r>
-              <a:rPr spc="-20" dirty="0"/>
-              <a:t>da</a:t>
-            </a:r>
-          </a:p>
-        </p:txBody>
-      </p:sp>
-      <p:sp>
-        <p:nvSpPr>
           <p:cNvPr id="4" name="object 4"/>
           <p:cNvSpPr txBox="1">
             <a:spLocks noGrp="1"/>
@@ -20726,6 +20677,73 @@
             <a:endParaRPr sz="2400">
               <a:latin typeface="Verdana"/>
               <a:cs typeface="Verdana"/>
+            </a:endParaRPr>
+          </a:p>
+        </p:txBody>
+      </p:sp>
+      <p:sp>
+        <p:nvSpPr>
+          <p:cNvPr id="8" name="Rectangle 7"/>
+          <p:cNvSpPr/>
+          <p:nvPr/>
+        </p:nvSpPr>
+        <p:spPr>
+          <a:xfrm>
+            <a:off x="2930365" y="0"/>
+            <a:ext cx="3283271" cy="923330"/>
+          </a:xfrm>
+          <a:prstGeom prst="rect">
+            <a:avLst/>
+          </a:prstGeom>
+          <a:noFill/>
+        </p:spPr>
+        <p:txBody>
+          <a:bodyPr wrap="none" lIns="91440" tIns="45720" rIns="91440" bIns="45720">
+            <a:spAutoFit/>
+          </a:bodyPr>
+          <a:lstStyle/>
+          <a:p>
+            <a:pPr algn="ctr"/>
+            <a:r>
+              <a:rPr lang="en-US" altLang="ja-JP" sz="5400" b="1" cap="none" spc="0" dirty="0" smtClean="0">
+                <a:ln w="9525">
+                  <a:solidFill>
+                    <a:schemeClr val="bg1"/>
+                  </a:solidFill>
+                  <a:prstDash val="solid"/>
+                </a:ln>
+                <a:solidFill>
+                  <a:schemeClr val="tx2"/>
+                </a:solidFill>
+                <a:effectLst>
+                  <a:outerShdw blurRad="12700" dist="38100" dir="2700000" algn="tl" rotWithShape="0">
+                    <a:schemeClr val="accent5">
+                      <a:lumMod val="60000"/>
+                      <a:lumOff val="40000"/>
+                    </a:schemeClr>
+                  </a:outerShdw>
+                </a:effectLst>
+              </a:rPr>
+              <a:t>Module 06</a:t>
+            </a:r>
+            <a:endParaRPr lang="en-US" altLang="ja-JP" sz="5400" b="1" cap="none" spc="0" dirty="0">
+              <a:ln w="9525">
+                <a:solidFill>
+                  <a:schemeClr val="bg1"/>
+                </a:solidFill>
+                <a:prstDash val="solid"/>
+              </a:ln>
+              <a:solidFill>
+                <a:schemeClr val="tx2"/>
+              </a:solidFill>
+              <a:effectLst>
+                <a:outerShdw blurRad="12700" dist="38100" dir="2700000" algn="tl" rotWithShape="0">
+                  <a:schemeClr val="accent5">
+                    <a:lumMod val="60000"/>
+                    <a:lumOff val="40000"/>
+                  </a:schemeClr>
+                </a:outerShdw>
+              </a:effectLst>
             </a:endParaRPr>
           </a:p>
         </p:txBody>
